--- a/Presentation 6-2.pptx
+++ b/Presentation 6-2.pptx
@@ -13,7 +13,8 @@
     <p:sldId id="258" r:id="rId7"/>
     <p:sldId id="259" r:id="rId8"/>
     <p:sldId id="260" r:id="rId9"/>
-    <p:sldId id="264" r:id="rId10"/>
+    <p:sldId id="266" r:id="rId10"/>
+    <p:sldId id="264" r:id="rId11"/>
   </p:sldIdLst>
   <p:sldSz cx="12192000" cy="6858000"/>
   <p:notesSz cx="6858000" cy="9144000"/>
@@ -6189,6 +6190,66 @@
 </p:sld>
 </file>
 
+<file path=ppt/slides/slide10.xml><?xml version="1.0" encoding="utf-8"?>
+<p:sld xmlns:a="http://schemas.openxmlformats.org/drawingml/2006/main" xmlns:r="http://schemas.openxmlformats.org/officeDocument/2006/relationships" xmlns:p="http://schemas.openxmlformats.org/presentationml/2006/main">
+  <p:cSld>
+    <p:spTree>
+      <p:nvGrpSpPr>
+        <p:cNvPr id="1" name=""/>
+        <p:cNvGrpSpPr/>
+        <p:nvPr/>
+      </p:nvGrpSpPr>
+      <p:grpSpPr>
+        <a:xfrm>
+          <a:off x="0" y="0"/>
+          <a:ext cx="0" cy="0"/>
+          <a:chOff x="0" y="0"/>
+          <a:chExt cx="0" cy="0"/>
+        </a:xfrm>
+      </p:grpSpPr>
+      <p:pic>
+        <p:nvPicPr>
+          <p:cNvPr id="5" name="Picture 5" descr="A drawing of a cartoon character&#10;&#10;Description generated with high confidence">
+            <a:extLst>
+              <a:ext uri="{FF2B5EF4-FFF2-40B4-BE49-F238E27FC236}">
+                <a16:creationId xmlns:a16="http://schemas.microsoft.com/office/drawing/2014/main" id="{BAFC43EF-81EB-4414-B6CC-A3A285D07761}"/>
+              </a:ext>
+            </a:extLst>
+          </p:cNvPr>
+          <p:cNvPicPr>
+            <a:picLocks noChangeAspect="1"/>
+          </p:cNvPicPr>
+          <p:nvPr/>
+        </p:nvPicPr>
+        <p:blipFill>
+          <a:blip r:embed="rId2"/>
+          <a:stretch>
+            <a:fillRect/>
+          </a:stretch>
+        </p:blipFill>
+        <p:spPr>
+          <a:xfrm>
+            <a:off x="3184044" y="261646"/>
+            <a:ext cx="6793831" cy="6433632"/>
+          </a:xfrm>
+          <a:prstGeom prst="rect">
+            <a:avLst/>
+          </a:prstGeom>
+        </p:spPr>
+      </p:pic>
+    </p:spTree>
+    <p:extLst>
+      <p:ext uri="{BB962C8B-B14F-4D97-AF65-F5344CB8AC3E}">
+        <p14:creationId xmlns:p14="http://schemas.microsoft.com/office/powerpoint/2010/main" val="1664738415"/>
+      </p:ext>
+    </p:extLst>
+  </p:cSld>
+  <p:clrMapOvr>
+    <a:masterClrMapping/>
+  </p:clrMapOvr>
+</p:sld>
+</file>
+
 <file path=ppt/slides/slide2.xml><?xml version="1.0" encoding="utf-8"?>
 <p:sld xmlns:a="http://schemas.openxmlformats.org/drawingml/2006/main" xmlns:r="http://schemas.openxmlformats.org/officeDocument/2006/relationships" xmlns:p="http://schemas.openxmlformats.org/presentationml/2006/main">
   <p:cSld>
@@ -6897,12 +6958,100 @@
           <a:chExt cx="0" cy="0"/>
         </a:xfrm>
       </p:grpSpPr>
+      <p:sp>
+        <p:nvSpPr>
+          <p:cNvPr id="2" name="Title 1">
+            <a:extLst>
+              <a:ext uri="{FF2B5EF4-FFF2-40B4-BE49-F238E27FC236}">
+                <a16:creationId xmlns:a16="http://schemas.microsoft.com/office/drawing/2014/main" id="{BC259C05-5200-4EEF-A2F5-E65946B81023}"/>
+              </a:ext>
+            </a:extLst>
+          </p:cNvPr>
+          <p:cNvSpPr>
+            <a:spLocks noGrp="1"/>
+          </p:cNvSpPr>
+          <p:nvPr>
+            <p:ph type="title"/>
+          </p:nvPr>
+        </p:nvSpPr>
+        <p:spPr/>
+        <p:txBody>
+          <a:bodyPr/>
+          <a:lstStyle/>
+          <a:p>
+            <a:r>
+              <a:rPr lang="en-US" dirty="0"/>
+              <a:t>3x3 Board</a:t>
+            </a:r>
+          </a:p>
+        </p:txBody>
+      </p:sp>
+      <p:sp>
+        <p:nvSpPr>
+          <p:cNvPr id="3" name="Content Placeholder 2">
+            <a:extLst>
+              <a:ext uri="{FF2B5EF4-FFF2-40B4-BE49-F238E27FC236}">
+                <a16:creationId xmlns:a16="http://schemas.microsoft.com/office/drawing/2014/main" id="{2C5C04F9-4B42-421C-93ED-BD132037A9EA}"/>
+              </a:ext>
+            </a:extLst>
+          </p:cNvPr>
+          <p:cNvSpPr>
+            <a:spLocks noGrp="1"/>
+          </p:cNvSpPr>
+          <p:nvPr>
+            <p:ph sz="half" idx="1"/>
+          </p:nvPr>
+        </p:nvSpPr>
+        <p:spPr/>
+        <p:txBody>
+          <a:bodyPr>
+            <a:normAutofit/>
+          </a:bodyPr>
+          <a:lstStyle/>
+          <a:p>
+            <a:r>
+              <a:rPr lang="en-US" dirty="0"/>
+              <a:t>Added button to allow board to be changed to a 3 x 3 layout</a:t>
+            </a:r>
+          </a:p>
+        </p:txBody>
+      </p:sp>
+      <p:sp>
+        <p:nvSpPr>
+          <p:cNvPr id="4" name="Content Placeholder 3">
+            <a:extLst>
+              <a:ext uri="{FF2B5EF4-FFF2-40B4-BE49-F238E27FC236}">
+                <a16:creationId xmlns:a16="http://schemas.microsoft.com/office/drawing/2014/main" id="{49475C41-D484-445C-A2FE-682299A4D362}"/>
+              </a:ext>
+            </a:extLst>
+          </p:cNvPr>
+          <p:cNvSpPr>
+            <a:spLocks noGrp="1"/>
+          </p:cNvSpPr>
+          <p:nvPr>
+            <p:ph sz="half" idx="2"/>
+          </p:nvPr>
+        </p:nvSpPr>
+        <p:spPr/>
+        <p:txBody>
+          <a:bodyPr>
+            <a:normAutofit/>
+          </a:bodyPr>
+          <a:lstStyle/>
+          <a:p>
+            <a:pPr marL="0" indent="0">
+              <a:buNone/>
+            </a:pPr>
+            <a:endParaRPr lang="en-US" dirty="0"/>
+          </a:p>
+        </p:txBody>
+      </p:sp>
       <p:pic>
         <p:nvPicPr>
-          <p:cNvPr id="5" name="Picture 5" descr="A drawing of a cartoon character&#10;&#10;Description generated with high confidence">
+          <p:cNvPr id="5" name="Picture 4">
             <a:extLst>
               <a:ext uri="{FF2B5EF4-FFF2-40B4-BE49-F238E27FC236}">
-                <a16:creationId xmlns:a16="http://schemas.microsoft.com/office/drawing/2014/main" id="{BAFC43EF-81EB-4414-B6CC-A3A285D07761}"/>
+                <a16:creationId xmlns:a16="http://schemas.microsoft.com/office/drawing/2014/main" id="{66F306F3-51AC-4A31-B51A-5163D79FB304}"/>
               </a:ext>
             </a:extLst>
           </p:cNvPr>
@@ -6919,8 +7068,38 @@
         </p:blipFill>
         <p:spPr>
           <a:xfrm>
-            <a:off x="3184044" y="261646"/>
-            <a:ext cx="6793831" cy="6433632"/>
+            <a:off x="6607967" y="2666999"/>
+            <a:ext cx="3343275" cy="2009775"/>
+          </a:xfrm>
+          <a:prstGeom prst="rect">
+            <a:avLst/>
+          </a:prstGeom>
+        </p:spPr>
+      </p:pic>
+      <p:pic>
+        <p:nvPicPr>
+          <p:cNvPr id="6" name="Picture 5">
+            <a:extLst>
+              <a:ext uri="{FF2B5EF4-FFF2-40B4-BE49-F238E27FC236}">
+                <a16:creationId xmlns:a16="http://schemas.microsoft.com/office/drawing/2014/main" id="{24E72F15-91A5-4DEF-8D41-41CBCC34F612}"/>
+              </a:ext>
+            </a:extLst>
+          </p:cNvPr>
+          <p:cNvPicPr>
+            <a:picLocks noChangeAspect="1"/>
+          </p:cNvPicPr>
+          <p:nvPr/>
+        </p:nvPicPr>
+        <p:blipFill>
+          <a:blip r:embed="rId3"/>
+          <a:stretch>
+            <a:fillRect/>
+          </a:stretch>
+        </p:blipFill>
+        <p:spPr>
+          <a:xfrm>
+            <a:off x="6607967" y="4676774"/>
+            <a:ext cx="2676525" cy="1666875"/>
           </a:xfrm>
           <a:prstGeom prst="rect">
             <a:avLst/>
@@ -6930,7 +7109,7 @@
     </p:spTree>
     <p:extLst>
       <p:ext uri="{BB962C8B-B14F-4D97-AF65-F5344CB8AC3E}">
-        <p14:creationId xmlns:p14="http://schemas.microsoft.com/office/powerpoint/2010/main" val="1664738415"/>
+        <p14:creationId xmlns:p14="http://schemas.microsoft.com/office/powerpoint/2010/main" val="964772001"/>
       </p:ext>
     </p:extLst>
   </p:cSld>
